--- a/images/theory_analysis/Kubernetes_Cilium_Plugin/Kubernetes_Cilium_Plugin.pptx
+++ b/images/theory_analysis/Kubernetes_Cilium_Plugin/Kubernetes_Cilium_Plugin.pptx
@@ -225,7 +225,7 @@
           <a:p>
             <a:fld id="{6CD5550B-26C4-49A9-A5BA-636EF7BE6CE9}" type="datetimeFigureOut">
               <a:rPr lang="ko-KR" altLang="en-US" smtClean="0"/>
-              <a:t>2021-01-08</a:t>
+              <a:t>2021-01-09</a:t>
             </a:fld>
             <a:endParaRPr lang="ko-KR" altLang="en-US"/>
           </a:p>
@@ -1595,7 +1595,7 @@
           <a:p>
             <a:fld id="{FB30EDBD-1C2D-4C1E-B459-B60219FAB484}" type="datetimeFigureOut">
               <a:rPr lang="ko-KR" altLang="en-US" smtClean="0"/>
-              <a:t>2021-01-08</a:t>
+              <a:t>2021-01-09</a:t>
             </a:fld>
             <a:endParaRPr lang="ko-KR" altLang="en-US"/>
           </a:p>
@@ -1758,7 +1758,7 @@
           <a:p>
             <a:fld id="{FB30EDBD-1C2D-4C1E-B459-B60219FAB484}" type="datetimeFigureOut">
               <a:rPr lang="ko-KR" altLang="en-US" smtClean="0"/>
-              <a:t>2021-01-08</a:t>
+              <a:t>2021-01-09</a:t>
             </a:fld>
             <a:endParaRPr lang="ko-KR" altLang="en-US"/>
           </a:p>
@@ -1931,7 +1931,7 @@
           <a:p>
             <a:fld id="{FB30EDBD-1C2D-4C1E-B459-B60219FAB484}" type="datetimeFigureOut">
               <a:rPr lang="ko-KR" altLang="en-US" smtClean="0"/>
-              <a:t>2021-01-08</a:t>
+              <a:t>2021-01-09</a:t>
             </a:fld>
             <a:endParaRPr lang="ko-KR" altLang="en-US"/>
           </a:p>
@@ -2094,7 +2094,7 @@
           <a:p>
             <a:fld id="{FB30EDBD-1C2D-4C1E-B459-B60219FAB484}" type="datetimeFigureOut">
               <a:rPr lang="ko-KR" altLang="en-US" smtClean="0"/>
-              <a:t>2021-01-08</a:t>
+              <a:t>2021-01-09</a:t>
             </a:fld>
             <a:endParaRPr lang="ko-KR" altLang="en-US"/>
           </a:p>
@@ -2334,7 +2334,7 @@
           <a:p>
             <a:fld id="{FB30EDBD-1C2D-4C1E-B459-B60219FAB484}" type="datetimeFigureOut">
               <a:rPr lang="ko-KR" altLang="en-US" smtClean="0"/>
-              <a:t>2021-01-08</a:t>
+              <a:t>2021-01-09</a:t>
             </a:fld>
             <a:endParaRPr lang="ko-KR" altLang="en-US"/>
           </a:p>
@@ -2614,7 +2614,7 @@
           <a:p>
             <a:fld id="{FB30EDBD-1C2D-4C1E-B459-B60219FAB484}" type="datetimeFigureOut">
               <a:rPr lang="ko-KR" altLang="en-US" smtClean="0"/>
-              <a:t>2021-01-08</a:t>
+              <a:t>2021-01-09</a:t>
             </a:fld>
             <a:endParaRPr lang="ko-KR" altLang="en-US"/>
           </a:p>
@@ -3028,7 +3028,7 @@
           <a:p>
             <a:fld id="{FB30EDBD-1C2D-4C1E-B459-B60219FAB484}" type="datetimeFigureOut">
               <a:rPr lang="ko-KR" altLang="en-US" smtClean="0"/>
-              <a:t>2021-01-08</a:t>
+              <a:t>2021-01-09</a:t>
             </a:fld>
             <a:endParaRPr lang="ko-KR" altLang="en-US"/>
           </a:p>
@@ -3140,7 +3140,7 @@
           <a:p>
             <a:fld id="{FB30EDBD-1C2D-4C1E-B459-B60219FAB484}" type="datetimeFigureOut">
               <a:rPr lang="ko-KR" altLang="en-US" smtClean="0"/>
-              <a:t>2021-01-08</a:t>
+              <a:t>2021-01-09</a:t>
             </a:fld>
             <a:endParaRPr lang="ko-KR" altLang="en-US"/>
           </a:p>
@@ -3230,7 +3230,7 @@
           <a:p>
             <a:fld id="{FB30EDBD-1C2D-4C1E-B459-B60219FAB484}" type="datetimeFigureOut">
               <a:rPr lang="ko-KR" altLang="en-US" smtClean="0"/>
-              <a:t>2021-01-08</a:t>
+              <a:t>2021-01-09</a:t>
             </a:fld>
             <a:endParaRPr lang="ko-KR" altLang="en-US"/>
           </a:p>
@@ -3500,7 +3500,7 @@
           <a:p>
             <a:fld id="{FB30EDBD-1C2D-4C1E-B459-B60219FAB484}" type="datetimeFigureOut">
               <a:rPr lang="ko-KR" altLang="en-US" smtClean="0"/>
-              <a:t>2021-01-08</a:t>
+              <a:t>2021-01-09</a:t>
             </a:fld>
             <a:endParaRPr lang="ko-KR" altLang="en-US"/>
           </a:p>
@@ -3747,7 +3747,7 @@
           <a:p>
             <a:fld id="{FB30EDBD-1C2D-4C1E-B459-B60219FAB484}" type="datetimeFigureOut">
               <a:rPr lang="ko-KR" altLang="en-US" smtClean="0"/>
-              <a:t>2021-01-08</a:t>
+              <a:t>2021-01-09</a:t>
             </a:fld>
             <a:endParaRPr lang="ko-KR" altLang="en-US"/>
           </a:p>
@@ -3953,7 +3953,7 @@
           <a:p>
             <a:fld id="{FB30EDBD-1C2D-4C1E-B459-B60219FAB484}" type="datetimeFigureOut">
               <a:rPr lang="ko-KR" altLang="en-US" smtClean="0"/>
-              <a:t>2021-01-08</a:t>
+              <a:t>2021-01-09</a:t>
             </a:fld>
             <a:endParaRPr lang="ko-KR" altLang="en-US"/>
           </a:p>
@@ -32400,7 +32400,7 @@
               <a:t> </a:t>
             </a:r>
             <a:r>
-              <a:rPr lang="en-US" altLang="ko-KR" sz="1400" b="1">
+              <a:rPr lang="en-US" altLang="ko-KR" sz="1200" b="1">
                 <a:solidFill>
                   <a:schemeClr val="tx2"/>
                 </a:solidFill>
@@ -32408,7 +32408,7 @@
               <a:t>SNAT</a:t>
             </a:r>
             <a:r>
-              <a:rPr lang="en-US" altLang="ko-KR" sz="1400" b="1">
+              <a:rPr lang="en-US" altLang="ko-KR" sz="1200" b="1">
                 <a:solidFill>
                   <a:schemeClr val="tx1"/>
                 </a:solidFill>
@@ -32416,7 +32416,7 @@
               <a:t> / </a:t>
             </a:r>
             <a:r>
-              <a:rPr lang="en-US" altLang="ko-KR" sz="1400" b="1">
+              <a:rPr lang="en-US" altLang="ko-KR" sz="1200" b="1">
                 <a:solidFill>
                   <a:schemeClr val="accent3">
                     <a:lumMod val="75000"/>

--- a/images/theory_analysis/Kubernetes_Cilium_Plugin/Kubernetes_Cilium_Plugin.pptx
+++ b/images/theory_analysis/Kubernetes_Cilium_Plugin/Kubernetes_Cilium_Plugin.pptx
@@ -225,7 +225,7 @@
           <a:p>
             <a:fld id="{6CD5550B-26C4-49A9-A5BA-636EF7BE6CE9}" type="datetimeFigureOut">
               <a:rPr lang="ko-KR" altLang="en-US" smtClean="0"/>
-              <a:t>2021-01-09</a:t>
+              <a:t>2021-01-20</a:t>
             </a:fld>
             <a:endParaRPr lang="ko-KR" altLang="en-US"/>
           </a:p>
@@ -1595,7 +1595,7 @@
           <a:p>
             <a:fld id="{FB30EDBD-1C2D-4C1E-B459-B60219FAB484}" type="datetimeFigureOut">
               <a:rPr lang="ko-KR" altLang="en-US" smtClean="0"/>
-              <a:t>2021-01-09</a:t>
+              <a:t>2021-01-20</a:t>
             </a:fld>
             <a:endParaRPr lang="ko-KR" altLang="en-US"/>
           </a:p>
@@ -1758,7 +1758,7 @@
           <a:p>
             <a:fld id="{FB30EDBD-1C2D-4C1E-B459-B60219FAB484}" type="datetimeFigureOut">
               <a:rPr lang="ko-KR" altLang="en-US" smtClean="0"/>
-              <a:t>2021-01-09</a:t>
+              <a:t>2021-01-20</a:t>
             </a:fld>
             <a:endParaRPr lang="ko-KR" altLang="en-US"/>
           </a:p>
@@ -1931,7 +1931,7 @@
           <a:p>
             <a:fld id="{FB30EDBD-1C2D-4C1E-B459-B60219FAB484}" type="datetimeFigureOut">
               <a:rPr lang="ko-KR" altLang="en-US" smtClean="0"/>
-              <a:t>2021-01-09</a:t>
+              <a:t>2021-01-20</a:t>
             </a:fld>
             <a:endParaRPr lang="ko-KR" altLang="en-US"/>
           </a:p>
@@ -2094,7 +2094,7 @@
           <a:p>
             <a:fld id="{FB30EDBD-1C2D-4C1E-B459-B60219FAB484}" type="datetimeFigureOut">
               <a:rPr lang="ko-KR" altLang="en-US" smtClean="0"/>
-              <a:t>2021-01-09</a:t>
+              <a:t>2021-01-20</a:t>
             </a:fld>
             <a:endParaRPr lang="ko-KR" altLang="en-US"/>
           </a:p>
@@ -2334,7 +2334,7 @@
           <a:p>
             <a:fld id="{FB30EDBD-1C2D-4C1E-B459-B60219FAB484}" type="datetimeFigureOut">
               <a:rPr lang="ko-KR" altLang="en-US" smtClean="0"/>
-              <a:t>2021-01-09</a:t>
+              <a:t>2021-01-20</a:t>
             </a:fld>
             <a:endParaRPr lang="ko-KR" altLang="en-US"/>
           </a:p>
@@ -2614,7 +2614,7 @@
           <a:p>
             <a:fld id="{FB30EDBD-1C2D-4C1E-B459-B60219FAB484}" type="datetimeFigureOut">
               <a:rPr lang="ko-KR" altLang="en-US" smtClean="0"/>
-              <a:t>2021-01-09</a:t>
+              <a:t>2021-01-20</a:t>
             </a:fld>
             <a:endParaRPr lang="ko-KR" altLang="en-US"/>
           </a:p>
@@ -3028,7 +3028,7 @@
           <a:p>
             <a:fld id="{FB30EDBD-1C2D-4C1E-B459-B60219FAB484}" type="datetimeFigureOut">
               <a:rPr lang="ko-KR" altLang="en-US" smtClean="0"/>
-              <a:t>2021-01-09</a:t>
+              <a:t>2021-01-20</a:t>
             </a:fld>
             <a:endParaRPr lang="ko-KR" altLang="en-US"/>
           </a:p>
@@ -3140,7 +3140,7 @@
           <a:p>
             <a:fld id="{FB30EDBD-1C2D-4C1E-B459-B60219FAB484}" type="datetimeFigureOut">
               <a:rPr lang="ko-KR" altLang="en-US" smtClean="0"/>
-              <a:t>2021-01-09</a:t>
+              <a:t>2021-01-20</a:t>
             </a:fld>
             <a:endParaRPr lang="ko-KR" altLang="en-US"/>
           </a:p>
@@ -3230,7 +3230,7 @@
           <a:p>
             <a:fld id="{FB30EDBD-1C2D-4C1E-B459-B60219FAB484}" type="datetimeFigureOut">
               <a:rPr lang="ko-KR" altLang="en-US" smtClean="0"/>
-              <a:t>2021-01-09</a:t>
+              <a:t>2021-01-20</a:t>
             </a:fld>
             <a:endParaRPr lang="ko-KR" altLang="en-US"/>
           </a:p>
@@ -3500,7 +3500,7 @@
           <a:p>
             <a:fld id="{FB30EDBD-1C2D-4C1E-B459-B60219FAB484}" type="datetimeFigureOut">
               <a:rPr lang="ko-KR" altLang="en-US" smtClean="0"/>
-              <a:t>2021-01-09</a:t>
+              <a:t>2021-01-20</a:t>
             </a:fld>
             <a:endParaRPr lang="ko-KR" altLang="en-US"/>
           </a:p>
@@ -3747,7 +3747,7 @@
           <a:p>
             <a:fld id="{FB30EDBD-1C2D-4C1E-B459-B60219FAB484}" type="datetimeFigureOut">
               <a:rPr lang="ko-KR" altLang="en-US" smtClean="0"/>
-              <a:t>2021-01-09</a:t>
+              <a:t>2021-01-20</a:t>
             </a:fld>
             <a:endParaRPr lang="ko-KR" altLang="en-US"/>
           </a:p>
@@ -3953,7 +3953,7 @@
           <a:p>
             <a:fld id="{FB30EDBD-1C2D-4C1E-B459-B60219FAB484}" type="datetimeFigureOut">
               <a:rPr lang="ko-KR" altLang="en-US" smtClean="0"/>
-              <a:t>2021-01-09</a:t>
+              <a:t>2021-01-20</a:t>
             </a:fld>
             <a:endParaRPr lang="ko-KR" altLang="en-US"/>
           </a:p>
@@ -18261,7 +18261,7 @@
             <a:pPr algn="ctr"/>
             <a:r>
               <a:rPr lang="en-US" altLang="ko-KR" sz="1000"/>
-              <a:t>SCHED_ACT Engress</a:t>
+              <a:t>SCHED_CLS Engress</a:t>
             </a:r>
             <a:endParaRPr lang="ko-KR" altLang="en-US" sz="1000" dirty="0"/>
           </a:p>
@@ -18764,7 +18764,7 @@
             <a:pPr algn="ctr"/>
             <a:r>
               <a:rPr lang="en-US" altLang="ko-KR" sz="700" b="1"/>
-              <a:t>SCHED_ACT Ingress</a:t>
+              <a:t>SCHED_CLS Ingress</a:t>
             </a:r>
             <a:endParaRPr lang="ko-KR" altLang="en-US" sz="700" b="1" dirty="0"/>
           </a:p>
@@ -18820,7 +18820,7 @@
             <a:pPr algn="ctr"/>
             <a:r>
               <a:rPr lang="en-US" altLang="ko-KR" sz="700" b="1"/>
-              <a:t>SCHED_ACT Ingress</a:t>
+              <a:t>SCHED_CLS Ingress</a:t>
             </a:r>
             <a:endParaRPr lang="ko-KR" altLang="en-US" sz="700" b="1" dirty="0"/>
           </a:p>
@@ -18964,7 +18964,7 @@
             <a:pPr algn="ctr"/>
             <a:r>
               <a:rPr lang="en-US" altLang="ko-KR" sz="1000"/>
-              <a:t>SCHED_ACT Ingress</a:t>
+              <a:t>SCHED_CLS Ingress</a:t>
             </a:r>
             <a:endParaRPr lang="ko-KR" altLang="en-US" sz="1000" dirty="0"/>
           </a:p>
@@ -19688,7 +19688,7 @@
             <a:pPr algn="ctr"/>
             <a:r>
               <a:rPr lang="en-US" altLang="ko-KR" sz="1000"/>
-              <a:t>SCHED_ACT Engress</a:t>
+              <a:t>SCHED_CLS Engress</a:t>
             </a:r>
             <a:endParaRPr lang="ko-KR" altLang="en-US" sz="1000" dirty="0"/>
           </a:p>
@@ -20133,7 +20133,7 @@
             <a:pPr algn="ctr"/>
             <a:r>
               <a:rPr lang="en-US" altLang="ko-KR" sz="700" b="1"/>
-              <a:t>SCHED_ACT Ingress</a:t>
+              <a:t>SCHED_CLS Ingress</a:t>
             </a:r>
             <a:endParaRPr lang="ko-KR" altLang="en-US" sz="700" b="1" dirty="0"/>
           </a:p>
@@ -20189,7 +20189,7 @@
             <a:pPr algn="ctr"/>
             <a:r>
               <a:rPr lang="en-US" altLang="ko-KR" sz="700" b="1"/>
-              <a:t>SCHED_ACT Ingress</a:t>
+              <a:t>SCHED_CLS Ingress</a:t>
             </a:r>
             <a:endParaRPr lang="ko-KR" altLang="en-US" sz="700" b="1" dirty="0"/>
           </a:p>
@@ -20333,7 +20333,7 @@
             <a:pPr algn="ctr"/>
             <a:r>
               <a:rPr lang="en-US" altLang="ko-KR" sz="1000"/>
-              <a:t>SCHED_ACT Ingress</a:t>
+              <a:t>SCHED_CLS Ingress</a:t>
             </a:r>
             <a:endParaRPr lang="ko-KR" altLang="en-US" sz="1000" dirty="0"/>
           </a:p>
@@ -24054,7 +24054,7 @@
             <a:pPr algn="ctr"/>
             <a:r>
               <a:rPr lang="en-US" altLang="ko-KR" sz="700" b="1"/>
-              <a:t>SCHED_ACT Ingress</a:t>
+              <a:t>SCHED_CLS Ingress</a:t>
             </a:r>
             <a:endParaRPr lang="ko-KR" altLang="en-US" sz="700" b="1" dirty="0"/>
           </a:p>
@@ -24110,7 +24110,7 @@
             <a:pPr algn="ctr"/>
             <a:r>
               <a:rPr lang="en-US" altLang="ko-KR" sz="700" b="1"/>
-              <a:t>SCHED_ACT Ingress</a:t>
+              <a:t>SCHED_CLS Ingress</a:t>
             </a:r>
             <a:endParaRPr lang="ko-KR" altLang="en-US" sz="700" b="1" dirty="0"/>
           </a:p>
@@ -24880,7 +24880,7 @@
             <a:pPr algn="ctr"/>
             <a:r>
               <a:rPr lang="en-US" altLang="ko-KR" sz="700" b="1"/>
-              <a:t>SCHED_ACT Ingress</a:t>
+              <a:t>SCHED_CLS Ingress</a:t>
             </a:r>
             <a:endParaRPr lang="ko-KR" altLang="en-US" sz="700" b="1" dirty="0"/>
           </a:p>
@@ -24936,7 +24936,7 @@
             <a:pPr algn="ctr"/>
             <a:r>
               <a:rPr lang="en-US" altLang="ko-KR" sz="700" b="1"/>
-              <a:t>SCHED_ACT Ingress</a:t>
+              <a:t>SCHED_CLS Ingress</a:t>
             </a:r>
             <a:endParaRPr lang="ko-KR" altLang="en-US" sz="700" b="1" dirty="0"/>
           </a:p>
@@ -26279,7 +26279,7 @@
             <a:pPr algn="ctr"/>
             <a:r>
               <a:rPr lang="en-US" altLang="ko-KR" sz="1000"/>
-              <a:t>SCHED_ACT Engress</a:t>
+              <a:t>SCHED_CLS Engress</a:t>
             </a:r>
             <a:endParaRPr lang="ko-KR" altLang="en-US" sz="1000" dirty="0"/>
           </a:p>
@@ -26440,7 +26440,7 @@
             <a:pPr algn="ctr"/>
             <a:r>
               <a:rPr lang="en-US" altLang="ko-KR" sz="1000"/>
-              <a:t>SCHED_ACT Engress</a:t>
+              <a:t>SCHED_CLS Engress</a:t>
             </a:r>
             <a:endParaRPr lang="ko-KR" altLang="en-US" sz="1000" dirty="0"/>
           </a:p>
@@ -28045,7 +28045,7 @@
             <a:pPr algn="ctr"/>
             <a:r>
               <a:rPr lang="en-US" altLang="ko-KR" sz="900"/>
-              <a:t>SCHED_ACT Ingress</a:t>
+              <a:t>SCHED_CLS Ingress</a:t>
             </a:r>
             <a:endParaRPr lang="ko-KR" altLang="en-US" sz="900"/>
           </a:p>
@@ -28133,7 +28133,7 @@
             <a:pPr algn="ctr"/>
             <a:r>
               <a:rPr lang="en-US" altLang="ko-KR" sz="900"/>
-              <a:t>SCHED_ACT Ingress</a:t>
+              <a:t>SCHED_CLS Ingress</a:t>
             </a:r>
             <a:endParaRPr lang="ko-KR" altLang="en-US" sz="900"/>
           </a:p>
@@ -28252,7 +28252,7 @@
             <a:pPr algn="ctr"/>
             <a:r>
               <a:rPr lang="en-US" altLang="ko-KR" sz="1000"/>
-              <a:t>SCHED_ACT Egress </a:t>
+              <a:t>SCHED_CLS Egress </a:t>
             </a:r>
             <a:r>
               <a:rPr lang="en-US" altLang="ko-KR" sz="1200" b="1">
@@ -28515,7 +28515,7 @@
             <a:pPr algn="ctr"/>
             <a:r>
               <a:rPr lang="en-US" altLang="ko-KR" sz="900"/>
-              <a:t>SCHED_ACT Ingress</a:t>
+              <a:t>SCHED_CLS Ingress</a:t>
             </a:r>
             <a:endParaRPr lang="ko-KR" altLang="en-US" sz="900"/>
           </a:p>
@@ -32255,7 +32255,7 @@
             <a:pPr algn="ctr"/>
             <a:r>
               <a:rPr lang="en-US" altLang="ko-KR" sz="900"/>
-              <a:t>SCHED_ACT Ingress</a:t>
+              <a:t>SCHED_CLS Ingress</a:t>
             </a:r>
             <a:endParaRPr lang="ko-KR" altLang="en-US" sz="900"/>
           </a:p>
@@ -32393,7 +32393,7 @@
             <a:pPr algn="ctr"/>
             <a:r>
               <a:rPr lang="en-US" altLang="ko-KR" sz="1000"/>
-              <a:t>SCHED_ACT Egress</a:t>
+              <a:t>SCHED_CLS Egress</a:t>
             </a:r>
             <a:r>
               <a:rPr lang="ko-KR" altLang="en-US" sz="1000"/>
@@ -32676,7 +32676,7 @@
             <a:pPr algn="ctr"/>
             <a:r>
               <a:rPr lang="en-US" altLang="ko-KR" sz="900"/>
-              <a:t>SCHED_ACT Ingress</a:t>
+              <a:t>SCHED_CLS Ingress</a:t>
             </a:r>
             <a:endParaRPr lang="ko-KR" altLang="en-US" sz="900"/>
           </a:p>
@@ -36226,8 +36226,8 @@
         </p:nvSpPr>
         <p:spPr>
           <a:xfrm>
-            <a:off x="611561" y="2286188"/>
-            <a:ext cx="1428300" cy="263120"/>
+            <a:off x="611561" y="2065132"/>
+            <a:ext cx="1428300" cy="484176"/>
           </a:xfrm>
           <a:prstGeom prst="roundRect">
             <a:avLst>
@@ -36262,7 +36262,7 @@
             <a:pPr algn="ctr"/>
             <a:r>
               <a:rPr lang="en-US" altLang="ko-KR" sz="1400"/>
-              <a:t>act ingress</a:t>
+              <a:t>SCHED_CLS ingress</a:t>
             </a:r>
             <a:endParaRPr lang="ko-KR" altLang="en-US" sz="1400" dirty="0"/>
           </a:p>

--- a/images/theory_analysis/Kubernetes_Cilium_Plugin/Kubernetes_Cilium_Plugin.pptx
+++ b/images/theory_analysis/Kubernetes_Cilium_Plugin/Kubernetes_Cilium_Plugin.pptx
@@ -225,7 +225,7 @@
           <a:p>
             <a:fld id="{6CD5550B-26C4-49A9-A5BA-636EF7BE6CE9}" type="datetimeFigureOut">
               <a:rPr lang="ko-KR" altLang="en-US" smtClean="0"/>
-              <a:t>2021-01-20</a:t>
+              <a:t>2021-02-04</a:t>
             </a:fld>
             <a:endParaRPr lang="ko-KR" altLang="en-US"/>
           </a:p>
@@ -1595,7 +1595,7 @@
           <a:p>
             <a:fld id="{FB30EDBD-1C2D-4C1E-B459-B60219FAB484}" type="datetimeFigureOut">
               <a:rPr lang="ko-KR" altLang="en-US" smtClean="0"/>
-              <a:t>2021-01-20</a:t>
+              <a:t>2021-02-04</a:t>
             </a:fld>
             <a:endParaRPr lang="ko-KR" altLang="en-US"/>
           </a:p>
@@ -1758,7 +1758,7 @@
           <a:p>
             <a:fld id="{FB30EDBD-1C2D-4C1E-B459-B60219FAB484}" type="datetimeFigureOut">
               <a:rPr lang="ko-KR" altLang="en-US" smtClean="0"/>
-              <a:t>2021-01-20</a:t>
+              <a:t>2021-02-04</a:t>
             </a:fld>
             <a:endParaRPr lang="ko-KR" altLang="en-US"/>
           </a:p>
@@ -1931,7 +1931,7 @@
           <a:p>
             <a:fld id="{FB30EDBD-1C2D-4C1E-B459-B60219FAB484}" type="datetimeFigureOut">
               <a:rPr lang="ko-KR" altLang="en-US" smtClean="0"/>
-              <a:t>2021-01-20</a:t>
+              <a:t>2021-02-04</a:t>
             </a:fld>
             <a:endParaRPr lang="ko-KR" altLang="en-US"/>
           </a:p>
@@ -2094,7 +2094,7 @@
           <a:p>
             <a:fld id="{FB30EDBD-1C2D-4C1E-B459-B60219FAB484}" type="datetimeFigureOut">
               <a:rPr lang="ko-KR" altLang="en-US" smtClean="0"/>
-              <a:t>2021-01-20</a:t>
+              <a:t>2021-02-04</a:t>
             </a:fld>
             <a:endParaRPr lang="ko-KR" altLang="en-US"/>
           </a:p>
@@ -2334,7 +2334,7 @@
           <a:p>
             <a:fld id="{FB30EDBD-1C2D-4C1E-B459-B60219FAB484}" type="datetimeFigureOut">
               <a:rPr lang="ko-KR" altLang="en-US" smtClean="0"/>
-              <a:t>2021-01-20</a:t>
+              <a:t>2021-02-04</a:t>
             </a:fld>
             <a:endParaRPr lang="ko-KR" altLang="en-US"/>
           </a:p>
@@ -2614,7 +2614,7 @@
           <a:p>
             <a:fld id="{FB30EDBD-1C2D-4C1E-B459-B60219FAB484}" type="datetimeFigureOut">
               <a:rPr lang="ko-KR" altLang="en-US" smtClean="0"/>
-              <a:t>2021-01-20</a:t>
+              <a:t>2021-02-04</a:t>
             </a:fld>
             <a:endParaRPr lang="ko-KR" altLang="en-US"/>
           </a:p>
@@ -3028,7 +3028,7 @@
           <a:p>
             <a:fld id="{FB30EDBD-1C2D-4C1E-B459-B60219FAB484}" type="datetimeFigureOut">
               <a:rPr lang="ko-KR" altLang="en-US" smtClean="0"/>
-              <a:t>2021-01-20</a:t>
+              <a:t>2021-02-04</a:t>
             </a:fld>
             <a:endParaRPr lang="ko-KR" altLang="en-US"/>
           </a:p>
@@ -3140,7 +3140,7 @@
           <a:p>
             <a:fld id="{FB30EDBD-1C2D-4C1E-B459-B60219FAB484}" type="datetimeFigureOut">
               <a:rPr lang="ko-KR" altLang="en-US" smtClean="0"/>
-              <a:t>2021-01-20</a:t>
+              <a:t>2021-02-04</a:t>
             </a:fld>
             <a:endParaRPr lang="ko-KR" altLang="en-US"/>
           </a:p>
@@ -3230,7 +3230,7 @@
           <a:p>
             <a:fld id="{FB30EDBD-1C2D-4C1E-B459-B60219FAB484}" type="datetimeFigureOut">
               <a:rPr lang="ko-KR" altLang="en-US" smtClean="0"/>
-              <a:t>2021-01-20</a:t>
+              <a:t>2021-02-04</a:t>
             </a:fld>
             <a:endParaRPr lang="ko-KR" altLang="en-US"/>
           </a:p>
@@ -3500,7 +3500,7 @@
           <a:p>
             <a:fld id="{FB30EDBD-1C2D-4C1E-B459-B60219FAB484}" type="datetimeFigureOut">
               <a:rPr lang="ko-KR" altLang="en-US" smtClean="0"/>
-              <a:t>2021-01-20</a:t>
+              <a:t>2021-02-04</a:t>
             </a:fld>
             <a:endParaRPr lang="ko-KR" altLang="en-US"/>
           </a:p>
@@ -3747,7 +3747,7 @@
           <a:p>
             <a:fld id="{FB30EDBD-1C2D-4C1E-B459-B60219FAB484}" type="datetimeFigureOut">
               <a:rPr lang="ko-KR" altLang="en-US" smtClean="0"/>
-              <a:t>2021-01-20</a:t>
+              <a:t>2021-02-04</a:t>
             </a:fld>
             <a:endParaRPr lang="ko-KR" altLang="en-US"/>
           </a:p>
@@ -3953,7 +3953,7 @@
           <a:p>
             <a:fld id="{FB30EDBD-1C2D-4C1E-B459-B60219FAB484}" type="datetimeFigureOut">
               <a:rPr lang="ko-KR" altLang="en-US" smtClean="0"/>
-              <a:t>2021-01-20</a:t>
+              <a:t>2021-02-04</a:t>
             </a:fld>
             <a:endParaRPr lang="ko-KR" altLang="en-US"/>
           </a:p>
@@ -18030,7 +18030,13 @@
               <a:gd name="adj" fmla="val 6195"/>
             </a:avLst>
           </a:prstGeom>
-          <a:ln/>
+          <a:ln>
+            <a:solidFill>
+              <a:schemeClr val="bg2">
+                <a:lumMod val="50000"/>
+              </a:schemeClr>
+            </a:solidFill>
+          </a:ln>
         </p:spPr>
         <p:style>
           <a:lnRef idx="2">
@@ -18081,7 +18087,13 @@
               <a:gd name="adj" fmla="val 6195"/>
             </a:avLst>
           </a:prstGeom>
-          <a:ln/>
+          <a:ln>
+            <a:solidFill>
+              <a:schemeClr val="bg2">
+                <a:lumMod val="50000"/>
+              </a:schemeClr>
+            </a:solidFill>
+          </a:ln>
         </p:spPr>
         <p:style>
           <a:lnRef idx="2">
@@ -18261,7 +18273,7 @@
             <a:pPr algn="ctr"/>
             <a:r>
               <a:rPr lang="en-US" altLang="ko-KR" sz="1000"/>
-              <a:t>SCHED_CLS Engress</a:t>
+              <a:t>SCHED_CLS Egress</a:t>
             </a:r>
             <a:endParaRPr lang="ko-KR" altLang="en-US" sz="1000" dirty="0"/>
           </a:p>
@@ -18480,7 +18492,13 @@
               <a:gd name="adj" fmla="val 6195"/>
             </a:avLst>
           </a:prstGeom>
-          <a:ln/>
+          <a:ln>
+            <a:solidFill>
+              <a:schemeClr val="bg2">
+                <a:lumMod val="50000"/>
+              </a:schemeClr>
+            </a:solidFill>
+          </a:ln>
         </p:spPr>
         <p:style>
           <a:lnRef idx="2">
@@ -18593,7 +18611,9 @@
           </a:prstGeom>
           <a:ln w="19050">
             <a:solidFill>
-              <a:schemeClr val="tx1"/>
+              <a:schemeClr val="bg2">
+                <a:lumMod val="50000"/>
+              </a:schemeClr>
             </a:solidFill>
           </a:ln>
         </p:spPr>
@@ -18634,7 +18654,13 @@
               <a:gd name="adj" fmla="val 6195"/>
             </a:avLst>
           </a:prstGeom>
-          <a:ln/>
+          <a:ln>
+            <a:solidFill>
+              <a:schemeClr val="bg2">
+                <a:lumMod val="50000"/>
+              </a:schemeClr>
+            </a:solidFill>
+          </a:ln>
         </p:spPr>
         <p:style>
           <a:lnRef idx="2">
@@ -18685,7 +18711,13 @@
               <a:gd name="adj" fmla="val 6195"/>
             </a:avLst>
           </a:prstGeom>
-          <a:ln/>
+          <a:ln>
+            <a:solidFill>
+              <a:schemeClr val="bg2">
+                <a:lumMod val="50000"/>
+              </a:schemeClr>
+            </a:solidFill>
+          </a:ln>
         </p:spPr>
         <p:style>
           <a:lnRef idx="2">
@@ -18996,7 +19028,9 @@
           </a:prstGeom>
           <a:ln w="19050">
             <a:solidFill>
-              <a:schemeClr val="tx1"/>
+              <a:schemeClr val="bg2">
+                <a:lumMod val="50000"/>
+              </a:schemeClr>
             </a:solidFill>
           </a:ln>
         </p:spPr>
@@ -19457,7 +19491,13 @@
               <a:gd name="adj" fmla="val 6195"/>
             </a:avLst>
           </a:prstGeom>
-          <a:ln/>
+          <a:ln>
+            <a:solidFill>
+              <a:schemeClr val="bg2">
+                <a:lumMod val="50000"/>
+              </a:schemeClr>
+            </a:solidFill>
+          </a:ln>
         </p:spPr>
         <p:style>
           <a:lnRef idx="2">
@@ -19508,7 +19548,13 @@
               <a:gd name="adj" fmla="val 6195"/>
             </a:avLst>
           </a:prstGeom>
-          <a:ln/>
+          <a:ln>
+            <a:solidFill>
+              <a:schemeClr val="bg2">
+                <a:lumMod val="50000"/>
+              </a:schemeClr>
+            </a:solidFill>
+          </a:ln>
         </p:spPr>
         <p:style>
           <a:lnRef idx="2">
@@ -19688,7 +19734,7 @@
             <a:pPr algn="ctr"/>
             <a:r>
               <a:rPr lang="en-US" altLang="ko-KR" sz="1000"/>
-              <a:t>SCHED_CLS Engress</a:t>
+              <a:t>SCHED_CLS Egress</a:t>
             </a:r>
             <a:endParaRPr lang="ko-KR" altLang="en-US" sz="1000" dirty="0"/>
           </a:p>
@@ -19907,7 +19953,13 @@
               <a:gd name="adj" fmla="val 6195"/>
             </a:avLst>
           </a:prstGeom>
-          <a:ln/>
+          <a:ln>
+            <a:solidFill>
+              <a:schemeClr val="bg2">
+                <a:lumMod val="50000"/>
+              </a:schemeClr>
+            </a:solidFill>
+          </a:ln>
         </p:spPr>
         <p:style>
           <a:lnRef idx="2">
@@ -19962,7 +20014,9 @@
           </a:prstGeom>
           <a:ln w="19050">
             <a:solidFill>
-              <a:schemeClr val="tx1"/>
+              <a:schemeClr val="bg2">
+                <a:lumMod val="50000"/>
+              </a:schemeClr>
             </a:solidFill>
           </a:ln>
         </p:spPr>
@@ -20003,7 +20057,13 @@
               <a:gd name="adj" fmla="val 6195"/>
             </a:avLst>
           </a:prstGeom>
-          <a:ln/>
+          <a:ln>
+            <a:solidFill>
+              <a:schemeClr val="bg2">
+                <a:lumMod val="50000"/>
+              </a:schemeClr>
+            </a:solidFill>
+          </a:ln>
         </p:spPr>
         <p:style>
           <a:lnRef idx="2">
@@ -20054,7 +20114,13 @@
               <a:gd name="adj" fmla="val 6195"/>
             </a:avLst>
           </a:prstGeom>
-          <a:ln/>
+          <a:ln>
+            <a:solidFill>
+              <a:schemeClr val="bg2">
+                <a:lumMod val="50000"/>
+              </a:schemeClr>
+            </a:solidFill>
+          </a:ln>
         </p:spPr>
         <p:style>
           <a:lnRef idx="2">
@@ -20365,7 +20431,9 @@
           </a:prstGeom>
           <a:ln w="19050">
             <a:solidFill>
-              <a:schemeClr val="tx1"/>
+              <a:schemeClr val="bg2">
+                <a:lumMod val="50000"/>
+              </a:schemeClr>
             </a:solidFill>
           </a:ln>
         </p:spPr>
@@ -22020,7 +22088,13 @@
               <a:gd name="adj" fmla="val 6195"/>
             </a:avLst>
           </a:prstGeom>
-          <a:ln/>
+          <a:ln>
+            <a:solidFill>
+              <a:schemeClr val="bg2">
+                <a:lumMod val="50000"/>
+              </a:schemeClr>
+            </a:solidFill>
+          </a:ln>
         </p:spPr>
         <p:style>
           <a:lnRef idx="2">
@@ -22356,7 +22430,9 @@
           </a:prstGeom>
           <a:ln w="19050">
             <a:solidFill>
-              <a:schemeClr val="tx1"/>
+              <a:schemeClr val="bg2">
+                <a:lumMod val="50000"/>
+              </a:schemeClr>
             </a:solidFill>
             <a:headEnd type="none" w="med" len="med"/>
             <a:tailEnd type="none" w="med" len="med"/>
@@ -22444,7 +22520,13 @@
               <a:gd name="adj" fmla="val 6195"/>
             </a:avLst>
           </a:prstGeom>
-          <a:ln/>
+          <a:ln>
+            <a:solidFill>
+              <a:schemeClr val="bg2">
+                <a:lumMod val="50000"/>
+              </a:schemeClr>
+            </a:solidFill>
+          </a:ln>
         </p:spPr>
         <p:style>
           <a:lnRef idx="2">
@@ -22682,7 +22764,9 @@
           </a:prstGeom>
           <a:ln w="19050">
             <a:solidFill>
-              <a:schemeClr val="tx1"/>
+              <a:schemeClr val="bg2">
+                <a:lumMod val="50000"/>
+              </a:schemeClr>
             </a:solidFill>
             <a:headEnd type="none" w="med" len="med"/>
             <a:tailEnd type="none" w="med" len="med"/>
@@ -23573,7 +23657,13 @@
               <a:gd name="adj" fmla="val 6195"/>
             </a:avLst>
           </a:prstGeom>
-          <a:ln/>
+          <a:ln>
+            <a:solidFill>
+              <a:schemeClr val="bg2">
+                <a:lumMod val="50000"/>
+              </a:schemeClr>
+            </a:solidFill>
+          </a:ln>
         </p:spPr>
         <p:style>
           <a:lnRef idx="2">
@@ -23770,7 +23860,13 @@
               <a:gd name="adj" fmla="val 6195"/>
             </a:avLst>
           </a:prstGeom>
-          <a:ln/>
+          <a:ln>
+            <a:solidFill>
+              <a:schemeClr val="bg2">
+                <a:lumMod val="50000"/>
+              </a:schemeClr>
+            </a:solidFill>
+          </a:ln>
         </p:spPr>
         <p:style>
           <a:lnRef idx="2">
@@ -23883,7 +23979,9 @@
           </a:prstGeom>
           <a:ln w="19050">
             <a:solidFill>
-              <a:schemeClr val="tx1"/>
+              <a:schemeClr val="bg2">
+                <a:lumMod val="50000"/>
+              </a:schemeClr>
             </a:solidFill>
           </a:ln>
         </p:spPr>
@@ -23924,7 +24022,13 @@
               <a:gd name="adj" fmla="val 6195"/>
             </a:avLst>
           </a:prstGeom>
-          <a:ln/>
+          <a:ln>
+            <a:solidFill>
+              <a:schemeClr val="bg2">
+                <a:lumMod val="50000"/>
+              </a:schemeClr>
+            </a:solidFill>
+          </a:ln>
         </p:spPr>
         <p:style>
           <a:lnRef idx="2">
@@ -23975,7 +24079,13 @@
               <a:gd name="adj" fmla="val 6195"/>
             </a:avLst>
           </a:prstGeom>
-          <a:ln/>
+          <a:ln>
+            <a:solidFill>
+              <a:schemeClr val="bg2">
+                <a:lumMod val="50000"/>
+              </a:schemeClr>
+            </a:solidFill>
+          </a:ln>
         </p:spPr>
         <p:style>
           <a:lnRef idx="2">
@@ -24142,7 +24252,9 @@
           </a:prstGeom>
           <a:ln w="19050">
             <a:solidFill>
-              <a:schemeClr val="tx1"/>
+              <a:schemeClr val="bg2">
+                <a:lumMod val="50000"/>
+              </a:schemeClr>
             </a:solidFill>
           </a:ln>
         </p:spPr>
@@ -24400,7 +24512,13 @@
               <a:gd name="adj" fmla="val 6195"/>
             </a:avLst>
           </a:prstGeom>
-          <a:ln/>
+          <a:ln>
+            <a:solidFill>
+              <a:schemeClr val="bg2">
+                <a:lumMod val="50000"/>
+              </a:schemeClr>
+            </a:solidFill>
+          </a:ln>
         </p:spPr>
         <p:style>
           <a:lnRef idx="2">
@@ -24597,7 +24715,13 @@
               <a:gd name="adj" fmla="val 6195"/>
             </a:avLst>
           </a:prstGeom>
-          <a:ln/>
+          <a:ln>
+            <a:solidFill>
+              <a:schemeClr val="bg2">
+                <a:lumMod val="50000"/>
+              </a:schemeClr>
+            </a:solidFill>
+          </a:ln>
         </p:spPr>
         <p:style>
           <a:lnRef idx="2">
@@ -24709,7 +24833,9 @@
           </a:prstGeom>
           <a:ln w="19050">
             <a:solidFill>
-              <a:schemeClr val="tx1"/>
+              <a:schemeClr val="bg2">
+                <a:lumMod val="50000"/>
+              </a:schemeClr>
             </a:solidFill>
           </a:ln>
         </p:spPr>
@@ -24750,7 +24876,13 @@
               <a:gd name="adj" fmla="val 6195"/>
             </a:avLst>
           </a:prstGeom>
-          <a:ln/>
+          <a:ln>
+            <a:solidFill>
+              <a:schemeClr val="bg2">
+                <a:lumMod val="50000"/>
+              </a:schemeClr>
+            </a:solidFill>
+          </a:ln>
         </p:spPr>
         <p:style>
           <a:lnRef idx="2">
@@ -24801,7 +24933,13 @@
               <a:gd name="adj" fmla="val 6195"/>
             </a:avLst>
           </a:prstGeom>
-          <a:ln/>
+          <a:ln>
+            <a:solidFill>
+              <a:schemeClr val="bg2">
+                <a:lumMod val="50000"/>
+              </a:schemeClr>
+            </a:solidFill>
+          </a:ln>
         </p:spPr>
         <p:style>
           <a:lnRef idx="2">
@@ -24968,7 +25106,9 @@
           </a:prstGeom>
           <a:ln w="19050">
             <a:solidFill>
-              <a:schemeClr val="tx1"/>
+              <a:schemeClr val="bg2">
+                <a:lumMod val="50000"/>
+              </a:schemeClr>
             </a:solidFill>
           </a:ln>
         </p:spPr>
@@ -26146,7 +26286,13 @@
               <a:gd name="adj" fmla="val 6195"/>
             </a:avLst>
           </a:prstGeom>
-          <a:ln/>
+          <a:ln>
+            <a:solidFill>
+              <a:schemeClr val="bg2">
+                <a:lumMod val="50000"/>
+              </a:schemeClr>
+            </a:solidFill>
+          </a:ln>
         </p:spPr>
         <p:style>
           <a:lnRef idx="2">
@@ -26279,7 +26425,7 @@
             <a:pPr algn="ctr"/>
             <a:r>
               <a:rPr lang="en-US" altLang="ko-KR" sz="1000"/>
-              <a:t>SCHED_CLS Engress</a:t>
+              <a:t>SCHED_CLS Egress</a:t>
             </a:r>
             <a:endParaRPr lang="ko-KR" altLang="en-US" sz="1000" dirty="0"/>
           </a:p>
@@ -26307,7 +26453,13 @@
               <a:gd name="adj" fmla="val 6195"/>
             </a:avLst>
           </a:prstGeom>
-          <a:ln/>
+          <a:ln>
+            <a:solidFill>
+              <a:schemeClr val="bg2">
+                <a:lumMod val="50000"/>
+              </a:schemeClr>
+            </a:solidFill>
+          </a:ln>
         </p:spPr>
         <p:style>
           <a:lnRef idx="2">
@@ -26440,7 +26592,7 @@
             <a:pPr algn="ctr"/>
             <a:r>
               <a:rPr lang="en-US" altLang="ko-KR" sz="1000"/>
-              <a:t>SCHED_CLS Engress</a:t>
+              <a:t>SCHED_CLS Egress</a:t>
             </a:r>
             <a:endParaRPr lang="ko-KR" altLang="en-US" sz="1000" dirty="0"/>
           </a:p>
@@ -26468,7 +26620,13 @@
               <a:gd name="adj" fmla="val 6195"/>
             </a:avLst>
           </a:prstGeom>
-          <a:ln/>
+          <a:ln>
+            <a:solidFill>
+              <a:schemeClr val="bg2">
+                <a:lumMod val="50000"/>
+              </a:schemeClr>
+            </a:solidFill>
+          </a:ln>
         </p:spPr>
         <p:style>
           <a:lnRef idx="2">
@@ -26521,7 +26679,9 @@
           </a:prstGeom>
           <a:ln w="19050">
             <a:solidFill>
-              <a:schemeClr val="tx1"/>
+              <a:schemeClr val="bg2">
+                <a:lumMod val="50000"/>
+              </a:schemeClr>
             </a:solidFill>
             <a:headEnd type="none" w="med" len="med"/>
             <a:tailEnd type="none" w="med" len="med"/>
@@ -26564,7 +26724,13 @@
               <a:gd name="adj" fmla="val 6195"/>
             </a:avLst>
           </a:prstGeom>
-          <a:ln/>
+          <a:ln>
+            <a:solidFill>
+              <a:schemeClr val="bg2">
+                <a:lumMod val="50000"/>
+              </a:schemeClr>
+            </a:solidFill>
+          </a:ln>
         </p:spPr>
         <p:style>
           <a:lnRef idx="2">
@@ -26617,7 +26783,9 @@
           </a:prstGeom>
           <a:ln w="19050">
             <a:solidFill>
-              <a:schemeClr val="tx1"/>
+              <a:schemeClr val="bg2">
+                <a:lumMod val="50000"/>
+              </a:schemeClr>
             </a:solidFill>
             <a:headEnd type="none" w="med" len="med"/>
             <a:tailEnd type="none" w="med" len="med"/>
@@ -27870,7 +28038,13 @@
               <a:gd name="adj" fmla="val 6195"/>
             </a:avLst>
           </a:prstGeom>
-          <a:ln/>
+          <a:ln>
+            <a:solidFill>
+              <a:schemeClr val="bg2">
+                <a:lumMod val="50000"/>
+              </a:schemeClr>
+            </a:solidFill>
+          </a:ln>
         </p:spPr>
         <p:style>
           <a:lnRef idx="2">
@@ -27921,7 +28095,13 @@
               <a:gd name="adj" fmla="val 6195"/>
             </a:avLst>
           </a:prstGeom>
-          <a:ln/>
+          <a:ln>
+            <a:solidFill>
+              <a:schemeClr val="bg2">
+                <a:lumMod val="50000"/>
+              </a:schemeClr>
+            </a:solidFill>
+          </a:ln>
         </p:spPr>
         <p:style>
           <a:lnRef idx="2">
@@ -27976,7 +28156,9 @@
           </a:prstGeom>
           <a:ln w="19050">
             <a:solidFill>
-              <a:schemeClr val="tx1"/>
+              <a:schemeClr val="bg2">
+                <a:lumMod val="50000"/>
+              </a:schemeClr>
             </a:solidFill>
           </a:ln>
         </p:spPr>
@@ -28173,7 +28355,13 @@
               <a:gd name="adj" fmla="val 6195"/>
             </a:avLst>
           </a:prstGeom>
-          <a:ln/>
+          <a:ln>
+            <a:solidFill>
+              <a:schemeClr val="bg2">
+                <a:lumMod val="50000"/>
+              </a:schemeClr>
+            </a:solidFill>
+          </a:ln>
         </p:spPr>
         <p:style>
           <a:lnRef idx="2">
@@ -28340,7 +28528,13 @@
               <a:gd name="adj" fmla="val 6195"/>
             </a:avLst>
           </a:prstGeom>
-          <a:ln/>
+          <a:ln>
+            <a:solidFill>
+              <a:schemeClr val="bg2">
+                <a:lumMod val="50000"/>
+              </a:schemeClr>
+            </a:solidFill>
+          </a:ln>
         </p:spPr>
         <p:style>
           <a:lnRef idx="2">
@@ -28391,7 +28585,13 @@
               <a:gd name="adj" fmla="val 6195"/>
             </a:avLst>
           </a:prstGeom>
-          <a:ln/>
+          <a:ln>
+            <a:solidFill>
+              <a:schemeClr val="bg2">
+                <a:lumMod val="50000"/>
+              </a:schemeClr>
+            </a:solidFill>
+          </a:ln>
         </p:spPr>
         <p:style>
           <a:lnRef idx="2">
@@ -28446,7 +28646,9 @@
           </a:prstGeom>
           <a:ln w="19050">
             <a:solidFill>
-              <a:schemeClr val="tx1"/>
+              <a:schemeClr val="bg2">
+                <a:lumMod val="50000"/>
+              </a:schemeClr>
             </a:solidFill>
           </a:ln>
         </p:spPr>
@@ -30253,7 +30455,13 @@
               <a:gd name="adj" fmla="val 6195"/>
             </a:avLst>
           </a:prstGeom>
-          <a:ln/>
+          <a:ln>
+            <a:solidFill>
+              <a:schemeClr val="bg2">
+                <a:lumMod val="50000"/>
+              </a:schemeClr>
+            </a:solidFill>
+          </a:ln>
         </p:spPr>
         <p:style>
           <a:lnRef idx="2">
@@ -30989,7 +31197,9 @@
           </a:prstGeom>
           <a:ln w="19050">
             <a:solidFill>
-              <a:schemeClr val="tx1"/>
+              <a:schemeClr val="bg2">
+                <a:lumMod val="50000"/>
+              </a:schemeClr>
             </a:solidFill>
           </a:ln>
         </p:spPr>

--- a/images/theory_analysis/Kubernetes_Cilium_Plugin/Kubernetes_Cilium_Plugin.pptx
+++ b/images/theory_analysis/Kubernetes_Cilium_Plugin/Kubernetes_Cilium_Plugin.pptx
@@ -36472,7 +36472,7 @@
             <a:pPr algn="ctr"/>
             <a:r>
               <a:rPr lang="en-US" altLang="ko-KR" sz="1400"/>
-              <a:t>SCHED_CLS ingress</a:t>
+              <a:t>SCHED_CLS Ingress</a:t>
             </a:r>
             <a:endParaRPr lang="ko-KR" altLang="en-US" sz="1400" dirty="0"/>
           </a:p>
